--- a/实验-8-工具的延伸.pptx
+++ b/实验-8-工具的延伸.pptx
@@ -4947,11 +4947,13 @@
         <p:spPr>
           <a:xfrm>
             <a:off x="1097280" y="1845734"/>
-            <a:ext cx="4947920" cy="4023360"/>
+            <a:ext cx="10058400" cy="4023360"/>
           </a:xfrm>
         </p:spPr>
         <p:txBody>
-          <a:bodyPr/>
+          <a:bodyPr>
+            <a:normAutofit/>
+          </a:bodyPr>
           <a:lstStyle/>
           <a:p>
             <a:pPr>
@@ -5017,7 +5019,7 @@
             </a:r>
             <a:r>
               <a:rPr lang="zh-CN" altLang="en-US" dirty="0" smtClean="0"/>
-              <a:t>是基于深度学习神经网络开发的，之后该工具进行了开源发布，提供了相应</a:t>
+              <a:t>是基于深度学习神经网络开发的工具，之后该工具转变成了开源框架进行发布，提供了相应</a:t>
             </a:r>
             <a:r>
               <a:rPr lang="en-US" altLang="zh-CN" dirty="0" err="1" smtClean="0"/>
@@ -5061,11 +5063,23 @@
             </a:pPr>
             <a:r>
               <a:rPr lang="zh-CN" altLang="en-US" dirty="0" smtClean="0"/>
-              <a:t>同类工具还有</a:t>
+              <a:t>之后，又出现了同类工具</a:t>
             </a:r>
             <a:r>
               <a:rPr lang="en-US" altLang="zh-CN" dirty="0" smtClean="0"/>
-              <a:t>caffe2</a:t>
+              <a:t>caffe2, </a:t>
+            </a:r>
+            <a:r>
+              <a:rPr lang="en-US" altLang="zh-CN" dirty="0" err="1" smtClean="0"/>
+              <a:t>Keras</a:t>
+            </a:r>
+            <a:r>
+              <a:rPr lang="en-US" altLang="zh-CN" dirty="0" smtClean="0"/>
+              <a:t>, </a:t>
+            </a:r>
+            <a:r>
+              <a:rPr lang="en-US" altLang="zh-CN" dirty="0" err="1" smtClean="0"/>
+              <a:t>mxnet</a:t>
             </a:r>
             <a:r>
               <a:rPr lang="zh-CN" altLang="en-US" dirty="0" smtClean="0"/>
@@ -5126,7 +5140,7 @@
         </p:nvSpPr>
         <p:spPr>
           <a:xfrm>
-            <a:off x="1039677" y="5792802"/>
+            <a:off x="1221906" y="5145102"/>
             <a:ext cx="2536977" cy="369332"/>
           </a:xfrm>
           <a:prstGeom prst="rect">
@@ -5169,7 +5183,7 @@
         </p:nvSpPr>
         <p:spPr>
           <a:xfrm>
-            <a:off x="1039677" y="4972612"/>
+            <a:off x="1221906" y="4045512"/>
             <a:ext cx="2172518" cy="369332"/>
           </a:xfrm>
           <a:prstGeom prst="rect">
@@ -5198,7 +5212,588 @@
       </p:sp>
       <p:sp>
         <p:nvSpPr>
-          <p:cNvPr id="7" name="内容占位符 2"/>
+          <p:cNvPr id="9" name="Rectangle 1"/>
+          <p:cNvSpPr>
+            <a:spLocks noChangeArrowheads="1"/>
+          </p:cNvSpPr>
+          <p:nvPr/>
+        </p:nvSpPr>
+        <p:spPr bwMode="auto">
+          <a:xfrm>
+            <a:off x="6405880" y="4469031"/>
+            <a:ext cx="2975173" cy="184666"/>
+          </a:xfrm>
+          <a:prstGeom prst="rect">
+            <a:avLst/>
+          </a:prstGeom>
+          <a:solidFill>
+            <a:srgbClr val="FFFFFF"/>
+          </a:solidFill>
+          <a:ln>
+            <a:noFill/>
+          </a:ln>
+          <a:effectLst/>
+          <a:extLst>
+            <a:ext uri="{91240B29-F687-4F45-9708-019B960494DF}">
+              <a14:hiddenLine xmlns:a14="http://schemas.microsoft.com/office/drawing/2010/main" w="9525">
+                <a:solidFill>
+                  <a:schemeClr val="tx1"/>
+                </a:solidFill>
+                <a:miter lim="800000"/>
+                <a:headEnd/>
+                <a:tailEnd/>
+              </a14:hiddenLine>
+            </a:ext>
+            <a:ext uri="{AF507438-7753-43E0-B8FC-AC1667EBCBE1}">
+              <a14:hiddenEffects xmlns:a14="http://schemas.microsoft.com/office/drawing/2010/main">
+                <a:effectLst>
+                  <a:outerShdw dist="35921" dir="2700000" algn="ctr" rotWithShape="0">
+                    <a:schemeClr val="bg2"/>
+                  </a:outerShdw>
+                </a:effectLst>
+              </a14:hiddenEffects>
+            </a:ext>
+          </a:extLst>
+        </p:spPr>
+        <p:txBody>
+          <a:bodyPr vert="horz" wrap="none" lIns="0" tIns="0" rIns="0" bIns="0" numCol="1" anchor="ctr" anchorCtr="0" compatLnSpc="1">
+            <a:prstTxWarp prst="textNoShape">
+              <a:avLst/>
+            </a:prstTxWarp>
+            <a:spAutoFit/>
+          </a:bodyPr>
+          <a:lstStyle/>
+          <a:p>
+            <a:pPr marL="0" marR="0" lvl="0" indent="0" algn="l" defTabSz="914400" rtl="0" eaLnBrk="0" fontAlgn="base" latinLnBrk="0" hangingPunct="0">
+              <a:lnSpc>
+                <a:spcPct val="100000"/>
+              </a:lnSpc>
+              <a:spcBef>
+                <a:spcPct val="0"/>
+              </a:spcBef>
+              <a:spcAft>
+                <a:spcPct val="0"/>
+              </a:spcAft>
+              <a:buClrTx/>
+              <a:buSzTx/>
+              <a:buFontTx/>
+              <a:buNone/>
+              <a:tabLst/>
+            </a:pPr>
+            <a:r>
+              <a:rPr kumimoji="0" lang="zh-CN" altLang="zh-CN" sz="1200" b="0" i="0" u="none" strike="noStrike" cap="none" normalizeH="0" baseline="0" dirty="0" smtClean="0">
+                <a:ln>
+                  <a:noFill/>
+                </a:ln>
+                <a:solidFill>
+                  <a:srgbClr val="0000FF"/>
+                </a:solidFill>
+                <a:effectLst/>
+                <a:latin typeface="Lucida Console" panose="020B0609040504020204" pitchFamily="49" charset="0"/>
+              </a:rPr>
+              <a:t>&gt; install.packages("tensorflow")</a:t>
+            </a:r>
+            <a:endParaRPr kumimoji="0" lang="zh-CN" altLang="zh-CN" sz="2800" b="0" i="0" u="none" strike="noStrike" cap="none" normalizeH="0" baseline="0" dirty="0" smtClean="0">
+              <a:ln>
+                <a:noFill/>
+              </a:ln>
+              <a:solidFill>
+                <a:schemeClr val="tx1"/>
+              </a:solidFill>
+              <a:effectLst/>
+              <a:latin typeface="Arial" panose="020B0604020202020204" pitchFamily="34" charset="0"/>
+            </a:endParaRPr>
+          </a:p>
+        </p:txBody>
+      </p:sp>
+      <p:sp>
+        <p:nvSpPr>
+          <p:cNvPr id="5" name="矩形 4"/>
+          <p:cNvSpPr/>
+          <p:nvPr/>
+        </p:nvSpPr>
+        <p:spPr>
+          <a:xfrm>
+            <a:off x="6195060" y="4045512"/>
+            <a:ext cx="2378023" cy="369332"/>
+          </a:xfrm>
+          <a:prstGeom prst="rect">
+            <a:avLst/>
+          </a:prstGeom>
+        </p:spPr>
+        <p:txBody>
+          <a:bodyPr wrap="none">
+            <a:spAutoFit/>
+          </a:bodyPr>
+          <a:lstStyle/>
+          <a:p>
+            <a:r>
+              <a:rPr lang="zh-CN" altLang="en-US" dirty="0"/>
+              <a:t>加载</a:t>
+            </a:r>
+            <a:r>
+              <a:rPr lang="en-US" altLang="zh-CN" dirty="0" err="1" smtClean="0"/>
+              <a:t>tensorflow</a:t>
+            </a:r>
+            <a:r>
+              <a:rPr lang="zh-CN" altLang="en-US" dirty="0" smtClean="0"/>
+              <a:t>和</a:t>
+            </a:r>
+            <a:r>
+              <a:rPr lang="en-US" altLang="zh-CN" dirty="0" err="1" smtClean="0"/>
+              <a:t>keras</a:t>
+            </a:r>
+            <a:endParaRPr lang="en-US" altLang="zh-CN" dirty="0"/>
+          </a:p>
+        </p:txBody>
+      </p:sp>
+      <p:sp>
+        <p:nvSpPr>
+          <p:cNvPr id="10" name="矩形 9"/>
+          <p:cNvSpPr/>
+          <p:nvPr/>
+        </p:nvSpPr>
+        <p:spPr>
+          <a:xfrm>
+            <a:off x="6195060" y="5608136"/>
+            <a:ext cx="3877985" cy="369332"/>
+          </a:xfrm>
+          <a:prstGeom prst="rect">
+            <a:avLst/>
+          </a:prstGeom>
+        </p:spPr>
+        <p:txBody>
+          <a:bodyPr wrap="none">
+            <a:spAutoFit/>
+          </a:bodyPr>
+          <a:lstStyle/>
+          <a:p>
+            <a:r>
+              <a:rPr lang="zh-CN" altLang="en-US" dirty="0"/>
+              <a:t>之后可以自行查看包的帮助文档学习</a:t>
+            </a:r>
+            <a:endParaRPr lang="en-US" altLang="zh-CN" dirty="0"/>
+          </a:p>
+        </p:txBody>
+      </p:sp>
+      <p:sp>
+        <p:nvSpPr>
+          <p:cNvPr id="7" name="矩形 6"/>
+          <p:cNvSpPr/>
+          <p:nvPr/>
+        </p:nvSpPr>
+        <p:spPr>
+          <a:xfrm>
+            <a:off x="977480" y="5654302"/>
+            <a:ext cx="2661370" cy="923330"/>
+          </a:xfrm>
+          <a:prstGeom prst="rect">
+            <a:avLst/>
+          </a:prstGeom>
+        </p:spPr>
+        <p:txBody>
+          <a:bodyPr wrap="none">
+            <a:spAutoFit/>
+          </a:bodyPr>
+          <a:lstStyle/>
+          <a:p>
+            <a:r>
+              <a:rPr lang="en-US" altLang="zh-CN" dirty="0" err="1" smtClean="0"/>
+              <a:t>Keras</a:t>
+            </a:r>
+            <a:r>
+              <a:rPr lang="zh-CN" altLang="en-US" dirty="0" smtClean="0"/>
+              <a:t>的官网</a:t>
+            </a:r>
+            <a:endParaRPr lang="en-US" altLang="zh-CN" dirty="0" smtClean="0"/>
+          </a:p>
+          <a:p>
+            <a:r>
+              <a:rPr lang="zh-CN" altLang="en-US" dirty="0" smtClean="0">
+                <a:hlinkClick r:id="rId4"/>
+              </a:rPr>
+              <a:t>https</a:t>
+            </a:r>
+            <a:r>
+              <a:rPr lang="zh-CN" altLang="en-US" dirty="0">
+                <a:hlinkClick r:id="rId4"/>
+              </a:rPr>
+              <a:t>://keras.rstudio.com</a:t>
+            </a:r>
+            <a:r>
+              <a:rPr lang="zh-CN" altLang="en-US" dirty="0" smtClean="0">
+                <a:hlinkClick r:id="rId4"/>
+              </a:rPr>
+              <a:t>/</a:t>
+            </a:r>
+            <a:endParaRPr lang="en-US" altLang="zh-CN" dirty="0" smtClean="0"/>
+          </a:p>
+          <a:p>
+            <a:endParaRPr lang="zh-CN" altLang="en-US" dirty="0"/>
+          </a:p>
+        </p:txBody>
+      </p:sp>
+      <p:sp>
+        <p:nvSpPr>
+          <p:cNvPr id="8" name="Rectangle 1"/>
+          <p:cNvSpPr>
+            <a:spLocks noChangeArrowheads="1"/>
+          </p:cNvSpPr>
+          <p:nvPr/>
+        </p:nvSpPr>
+        <p:spPr bwMode="auto">
+          <a:xfrm>
+            <a:off x="6405880" y="5052769"/>
+            <a:ext cx="2510303" cy="184666"/>
+          </a:xfrm>
+          <a:prstGeom prst="rect">
+            <a:avLst/>
+          </a:prstGeom>
+          <a:solidFill>
+            <a:srgbClr val="FFFFFF"/>
+          </a:solidFill>
+          <a:ln>
+            <a:noFill/>
+          </a:ln>
+          <a:effectLst/>
+          <a:extLst>
+            <a:ext uri="{91240B29-F687-4F45-9708-019B960494DF}">
+              <a14:hiddenLine xmlns:a14="http://schemas.microsoft.com/office/drawing/2010/main" w="9525">
+                <a:solidFill>
+                  <a:schemeClr val="tx1"/>
+                </a:solidFill>
+                <a:miter lim="800000"/>
+                <a:headEnd/>
+                <a:tailEnd/>
+              </a14:hiddenLine>
+            </a:ext>
+            <a:ext uri="{AF507438-7753-43E0-B8FC-AC1667EBCBE1}">
+              <a14:hiddenEffects xmlns:a14="http://schemas.microsoft.com/office/drawing/2010/main">
+                <a:effectLst>
+                  <a:outerShdw dist="35921" dir="2700000" algn="ctr" rotWithShape="0">
+                    <a:schemeClr val="bg2"/>
+                  </a:outerShdw>
+                </a:effectLst>
+              </a14:hiddenEffects>
+            </a:ext>
+          </a:extLst>
+        </p:spPr>
+        <p:txBody>
+          <a:bodyPr vert="horz" wrap="none" lIns="0" tIns="0" rIns="0" bIns="0" numCol="1" anchor="ctr" anchorCtr="0" compatLnSpc="1">
+            <a:prstTxWarp prst="textNoShape">
+              <a:avLst/>
+            </a:prstTxWarp>
+            <a:spAutoFit/>
+          </a:bodyPr>
+          <a:lstStyle/>
+          <a:p>
+            <a:pPr marL="0" marR="0" lvl="0" indent="0" algn="l" defTabSz="914400" rtl="0" eaLnBrk="0" fontAlgn="base" latinLnBrk="0" hangingPunct="0">
+              <a:lnSpc>
+                <a:spcPct val="100000"/>
+              </a:lnSpc>
+              <a:spcBef>
+                <a:spcPct val="0"/>
+              </a:spcBef>
+              <a:spcAft>
+                <a:spcPct val="0"/>
+              </a:spcAft>
+              <a:buClrTx/>
+              <a:buSzTx/>
+              <a:buFontTx/>
+              <a:buNone/>
+              <a:tabLst/>
+            </a:pPr>
+            <a:r>
+              <a:rPr kumimoji="0" lang="zh-CN" altLang="zh-CN" sz="1200" b="0" i="0" u="none" strike="noStrike" cap="none" normalizeH="0" baseline="0" dirty="0" smtClean="0">
+                <a:ln>
+                  <a:noFill/>
+                </a:ln>
+                <a:solidFill>
+                  <a:srgbClr val="0000FF"/>
+                </a:solidFill>
+                <a:effectLst/>
+                <a:latin typeface="Lucida Console" panose="020B0609040504020204" pitchFamily="49" charset="0"/>
+              </a:rPr>
+              <a:t>&gt; install.packages("keras")</a:t>
+            </a:r>
+            <a:endParaRPr kumimoji="0" lang="zh-CN" altLang="zh-CN" sz="2800" b="0" i="0" u="none" strike="noStrike" cap="none" normalizeH="0" baseline="0" dirty="0" smtClean="0">
+              <a:ln>
+                <a:noFill/>
+              </a:ln>
+              <a:solidFill>
+                <a:schemeClr val="tx1"/>
+              </a:solidFill>
+              <a:effectLst/>
+              <a:latin typeface="Arial" panose="020B0604020202020204" pitchFamily="34" charset="0"/>
+            </a:endParaRPr>
+          </a:p>
+        </p:txBody>
+      </p:sp>
+    </p:spTree>
+    <p:extLst>
+      <p:ext uri="{BB962C8B-B14F-4D97-AF65-F5344CB8AC3E}">
+        <p14:creationId xmlns:p14="http://schemas.microsoft.com/office/powerpoint/2010/main" val="974123518"/>
+      </p:ext>
+    </p:extLst>
+  </p:cSld>
+  <p:clrMapOvr>
+    <a:masterClrMapping/>
+  </p:clrMapOvr>
+</p:sld>
+</file>
+
+<file path=ppt/slides/slide6.xml><?xml version="1.0" encoding="utf-8"?>
+<p:sld xmlns:a="http://schemas.openxmlformats.org/drawingml/2006/main" xmlns:r="http://schemas.openxmlformats.org/officeDocument/2006/relationships" xmlns:p="http://schemas.openxmlformats.org/presentationml/2006/main">
+  <p:cSld>
+    <p:spTree>
+      <p:nvGrpSpPr>
+        <p:cNvPr id="1" name=""/>
+        <p:cNvGrpSpPr/>
+        <p:nvPr/>
+      </p:nvGrpSpPr>
+      <p:grpSpPr>
+        <a:xfrm>
+          <a:off x="0" y="0"/>
+          <a:ext cx="0" cy="0"/>
+          <a:chOff x="0" y="0"/>
+          <a:chExt cx="0" cy="0"/>
+        </a:xfrm>
+      </p:grpSpPr>
+      <p:sp>
+        <p:nvSpPr>
+          <p:cNvPr id="2" name="标题 1"/>
+          <p:cNvSpPr>
+            <a:spLocks noGrp="1"/>
+          </p:cNvSpPr>
+          <p:nvPr>
+            <p:ph type="title"/>
+          </p:nvPr>
+        </p:nvSpPr>
+        <p:spPr/>
+        <p:txBody>
+          <a:bodyPr/>
+          <a:lstStyle/>
+          <a:p>
+            <a:r>
+              <a:rPr lang="zh-CN" altLang="en-US" dirty="0"/>
+              <a:t>专业开源工具</a:t>
+            </a:r>
+          </a:p>
+        </p:txBody>
+      </p:sp>
+      <p:sp>
+        <p:nvSpPr>
+          <p:cNvPr id="3" name="内容占位符 2"/>
+          <p:cNvSpPr>
+            <a:spLocks noGrp="1"/>
+          </p:cNvSpPr>
+          <p:nvPr>
+            <p:ph idx="1"/>
+          </p:nvPr>
+        </p:nvSpPr>
+        <p:spPr>
+          <a:xfrm>
+            <a:off x="1097280" y="1845734"/>
+            <a:ext cx="4732020" cy="4023360"/>
+          </a:xfrm>
+        </p:spPr>
+        <p:txBody>
+          <a:bodyPr/>
+          <a:lstStyle/>
+          <a:p>
+            <a:r>
+              <a:rPr lang="zh-CN" altLang="en-US" dirty="0"/>
+              <a:t>开</a:t>
+            </a:r>
+            <a:r>
+              <a:rPr lang="zh-CN" altLang="en-US" dirty="0" smtClean="0"/>
+              <a:t>源云计算管理平台框架</a:t>
+            </a:r>
+            <a:endParaRPr lang="en-US" altLang="zh-CN" dirty="0" smtClean="0"/>
+          </a:p>
+          <a:p>
+            <a:pPr lvl="1"/>
+            <a:r>
+              <a:rPr lang="zh-CN" altLang="en-US" dirty="0" smtClean="0"/>
+              <a:t>由</a:t>
+            </a:r>
+            <a:r>
+              <a:rPr lang="en-US" altLang="zh-CN" dirty="0" smtClean="0"/>
+              <a:t>NASA</a:t>
+            </a:r>
+            <a:r>
+              <a:rPr lang="zh-CN" altLang="en-US" dirty="0" smtClean="0"/>
+              <a:t>和</a:t>
+            </a:r>
+            <a:r>
+              <a:rPr lang="en-US" altLang="zh-CN" dirty="0" smtClean="0"/>
+              <a:t>Rackspace</a:t>
+            </a:r>
+            <a:r>
+              <a:rPr lang="zh-CN" altLang="en-US" dirty="0" smtClean="0"/>
+              <a:t>合作研发的以</a:t>
+            </a:r>
+            <a:r>
+              <a:rPr lang="en-US" altLang="zh-CN" dirty="0" smtClean="0"/>
+              <a:t>Apache</a:t>
+            </a:r>
+            <a:r>
+              <a:rPr lang="zh-CN" altLang="en-US" dirty="0" smtClean="0"/>
+              <a:t>许可证授权的开源代码，任何人都可以自由使用</a:t>
+            </a:r>
+            <a:endParaRPr lang="en-US" altLang="zh-CN" dirty="0" smtClean="0"/>
+          </a:p>
+          <a:p>
+            <a:pPr lvl="1"/>
+            <a:r>
+              <a:rPr lang="zh-CN" altLang="en-US" dirty="0" smtClean="0"/>
+              <a:t>提供了云计算平台的大量标准、统一、可扩展的功能</a:t>
+            </a:r>
+            <a:endParaRPr lang="en-US" altLang="zh-CN" dirty="0" smtClean="0"/>
+          </a:p>
+          <a:p>
+            <a:pPr lvl="1"/>
+            <a:r>
+              <a:rPr lang="zh-CN" altLang="en-US" dirty="0" smtClean="0"/>
+              <a:t>目前云计算平台设计中最受欢迎的框架之一</a:t>
+            </a:r>
+            <a:endParaRPr lang="en-US" altLang="zh-CN" dirty="0"/>
+          </a:p>
+          <a:p>
+            <a:pPr marL="0" indent="0">
+              <a:buNone/>
+            </a:pPr>
+            <a:r>
+              <a:rPr lang="en-US" altLang="zh-CN" dirty="0" smtClean="0"/>
+              <a:t>OpenStack</a:t>
+            </a:r>
+            <a:r>
+              <a:rPr lang="zh-CN" altLang="en-US" dirty="0" smtClean="0"/>
+              <a:t>官网</a:t>
+            </a:r>
+            <a:endParaRPr lang="en-US" altLang="zh-CN" dirty="0" smtClean="0"/>
+          </a:p>
+          <a:p>
+            <a:pPr marL="0" indent="0">
+              <a:buNone/>
+            </a:pPr>
+            <a:endParaRPr lang="en-US" altLang="zh-CN" dirty="0"/>
+          </a:p>
+          <a:p>
+            <a:pPr marL="0" indent="0">
+              <a:buNone/>
+            </a:pPr>
+            <a:r>
+              <a:rPr lang="en-US" altLang="zh-CN" dirty="0" smtClean="0"/>
+              <a:t>OpenStack</a:t>
+            </a:r>
+            <a:r>
+              <a:rPr lang="zh-CN" altLang="en-US" dirty="0"/>
+              <a:t>中</a:t>
+            </a:r>
+            <a:r>
+              <a:rPr lang="zh-CN" altLang="en-US" dirty="0" smtClean="0"/>
+              <a:t>文官网</a:t>
+            </a:r>
+            <a:endParaRPr lang="en-US" altLang="zh-CN" dirty="0"/>
+          </a:p>
+          <a:p>
+            <a:pPr marL="0" indent="0">
+              <a:buNone/>
+            </a:pPr>
+            <a:endParaRPr lang="en-US" altLang="zh-CN" dirty="0" smtClean="0"/>
+          </a:p>
+          <a:p>
+            <a:pPr marL="0" indent="0">
+              <a:buNone/>
+            </a:pPr>
+            <a:endParaRPr lang="en-US" altLang="zh-CN" dirty="0"/>
+          </a:p>
+          <a:p>
+            <a:pPr marL="0" indent="0">
+              <a:buNone/>
+            </a:pPr>
+            <a:endParaRPr lang="en-US" altLang="zh-CN" dirty="0" smtClean="0"/>
+          </a:p>
+        </p:txBody>
+      </p:sp>
+      <p:sp>
+        <p:nvSpPr>
+          <p:cNvPr id="4" name="矩形 3"/>
+          <p:cNvSpPr/>
+          <p:nvPr/>
+        </p:nvSpPr>
+        <p:spPr>
+          <a:xfrm>
+            <a:off x="917241" y="4528589"/>
+            <a:ext cx="2865913" cy="369332"/>
+          </a:xfrm>
+          <a:prstGeom prst="rect">
+            <a:avLst/>
+          </a:prstGeom>
+        </p:spPr>
+        <p:txBody>
+          <a:bodyPr wrap="none">
+            <a:spAutoFit/>
+          </a:bodyPr>
+          <a:lstStyle/>
+          <a:p>
+            <a:r>
+              <a:rPr lang="zh-CN" altLang="en-US" dirty="0">
+                <a:hlinkClick r:id="rId2"/>
+              </a:rPr>
+              <a:t>https://www.openstack.org</a:t>
+            </a:r>
+            <a:r>
+              <a:rPr lang="zh-CN" altLang="en-US" dirty="0" smtClean="0">
+                <a:hlinkClick r:id="rId2"/>
+              </a:rPr>
+              <a:t>/</a:t>
+            </a:r>
+            <a:endParaRPr lang="zh-CN" altLang="en-US" dirty="0"/>
+          </a:p>
+        </p:txBody>
+      </p:sp>
+      <p:sp>
+        <p:nvSpPr>
+          <p:cNvPr id="5" name="矩形 4"/>
+          <p:cNvSpPr/>
+          <p:nvPr/>
+        </p:nvSpPr>
+        <p:spPr>
+          <a:xfrm>
+            <a:off x="917241" y="5608136"/>
+            <a:ext cx="3505640" cy="369332"/>
+          </a:xfrm>
+          <a:prstGeom prst="rect">
+            <a:avLst/>
+          </a:prstGeom>
+        </p:spPr>
+        <p:txBody>
+          <a:bodyPr wrap="none">
+            <a:spAutoFit/>
+          </a:bodyPr>
+          <a:lstStyle/>
+          <a:p>
+            <a:r>
+              <a:rPr lang="zh-CN" altLang="en-US" dirty="0">
+                <a:hlinkClick r:id="rId3"/>
+              </a:rPr>
+              <a:t>https://docs.openstack.org/zh_CN</a:t>
+            </a:r>
+            <a:r>
+              <a:rPr lang="zh-CN" altLang="en-US" dirty="0" smtClean="0">
+                <a:hlinkClick r:id="rId3"/>
+              </a:rPr>
+              <a:t>/</a:t>
+            </a:r>
+            <a:endParaRPr lang="zh-CN" altLang="en-US" dirty="0"/>
+          </a:p>
+        </p:txBody>
+      </p:sp>
+      <p:sp>
+        <p:nvSpPr>
+          <p:cNvPr id="6" name="内容占位符 2"/>
           <p:cNvSpPr txBox="1">
             <a:spLocks/>
           </p:cNvSpPr>
@@ -5206,7 +5801,7 @@
         </p:nvSpPr>
         <p:spPr>
           <a:xfrm>
-            <a:off x="6431280" y="1808804"/>
+            <a:off x="6469380" y="1809144"/>
             <a:ext cx="4947920" cy="4023360"/>
           </a:xfrm>
           <a:prstGeom prst="rect">
@@ -5473,6 +6068,10 @@
               <a:rPr lang="en-US" altLang="zh-CN" dirty="0" err="1" smtClean="0"/>
               <a:t>OpenCV</a:t>
             </a:r>
+            <a:r>
+              <a:rPr lang="zh-CN" altLang="en-US" dirty="0" smtClean="0"/>
+              <a:t>，计算机视觉处理</a:t>
+            </a:r>
             <a:endParaRPr lang="en-US" altLang="zh-CN" dirty="0" smtClean="0"/>
           </a:p>
           <a:p>
@@ -5595,7 +6194,7 @@
       </p:sp>
       <p:sp>
         <p:nvSpPr>
-          <p:cNvPr id="8" name="矩形 7"/>
+          <p:cNvPr id="7" name="矩形 6"/>
           <p:cNvSpPr/>
           <p:nvPr/>
         </p:nvSpPr>
@@ -5623,263 +6222,6 @@
             <a:r>
               <a:rPr lang="zh-CN" altLang="en-US" dirty="0" smtClean="0">
                 <a:hlinkClick r:id="rId4"/>
-              </a:rPr>
-              <a:t>/</a:t>
-            </a:r>
-            <a:endParaRPr lang="zh-CN" altLang="en-US" dirty="0"/>
-          </a:p>
-        </p:txBody>
-      </p:sp>
-    </p:spTree>
-    <p:extLst>
-      <p:ext uri="{BB962C8B-B14F-4D97-AF65-F5344CB8AC3E}">
-        <p14:creationId xmlns:p14="http://schemas.microsoft.com/office/powerpoint/2010/main" val="974123518"/>
-      </p:ext>
-    </p:extLst>
-  </p:cSld>
-  <p:clrMapOvr>
-    <a:masterClrMapping/>
-  </p:clrMapOvr>
-</p:sld>
-</file>
-
-<file path=ppt/slides/slide6.xml><?xml version="1.0" encoding="utf-8"?>
-<p:sld xmlns:a="http://schemas.openxmlformats.org/drawingml/2006/main" xmlns:r="http://schemas.openxmlformats.org/officeDocument/2006/relationships" xmlns:p="http://schemas.openxmlformats.org/presentationml/2006/main">
-  <p:cSld>
-    <p:spTree>
-      <p:nvGrpSpPr>
-        <p:cNvPr id="1" name=""/>
-        <p:cNvGrpSpPr/>
-        <p:nvPr/>
-      </p:nvGrpSpPr>
-      <p:grpSpPr>
-        <a:xfrm>
-          <a:off x="0" y="0"/>
-          <a:ext cx="0" cy="0"/>
-          <a:chOff x="0" y="0"/>
-          <a:chExt cx="0" cy="0"/>
-        </a:xfrm>
-      </p:grpSpPr>
-      <p:sp>
-        <p:nvSpPr>
-          <p:cNvPr id="2" name="标题 1"/>
-          <p:cNvSpPr>
-            <a:spLocks noGrp="1"/>
-          </p:cNvSpPr>
-          <p:nvPr>
-            <p:ph type="title"/>
-          </p:nvPr>
-        </p:nvSpPr>
-        <p:spPr/>
-        <p:txBody>
-          <a:bodyPr/>
-          <a:lstStyle/>
-          <a:p>
-            <a:r>
-              <a:rPr lang="zh-CN" altLang="en-US" dirty="0"/>
-              <a:t>专业开源工具</a:t>
-            </a:r>
-          </a:p>
-        </p:txBody>
-      </p:sp>
-      <p:sp>
-        <p:nvSpPr>
-          <p:cNvPr id="3" name="内容占位符 2"/>
-          <p:cNvSpPr>
-            <a:spLocks noGrp="1"/>
-          </p:cNvSpPr>
-          <p:nvPr>
-            <p:ph idx="1"/>
-          </p:nvPr>
-        </p:nvSpPr>
-        <p:spPr/>
-        <p:txBody>
-          <a:bodyPr/>
-          <a:lstStyle/>
-          <a:p>
-            <a:r>
-              <a:rPr lang="zh-CN" altLang="en-US" dirty="0"/>
-              <a:t>开</a:t>
-            </a:r>
-            <a:r>
-              <a:rPr lang="zh-CN" altLang="en-US" dirty="0" smtClean="0"/>
-              <a:t>源云计算管理平台框架</a:t>
-            </a:r>
-            <a:endParaRPr lang="en-US" altLang="zh-CN" dirty="0" smtClean="0"/>
-          </a:p>
-          <a:p>
-            <a:pPr lvl="1"/>
-            <a:r>
-              <a:rPr lang="zh-CN" altLang="en-US" dirty="0" smtClean="0"/>
-              <a:t>由</a:t>
-            </a:r>
-            <a:r>
-              <a:rPr lang="en-US" altLang="zh-CN" dirty="0" smtClean="0"/>
-              <a:t>NASA</a:t>
-            </a:r>
-            <a:r>
-              <a:rPr lang="zh-CN" altLang="en-US" dirty="0" smtClean="0"/>
-              <a:t>和</a:t>
-            </a:r>
-            <a:r>
-              <a:rPr lang="en-US" altLang="zh-CN" dirty="0" smtClean="0"/>
-              <a:t>Rackspace</a:t>
-            </a:r>
-            <a:r>
-              <a:rPr lang="zh-CN" altLang="en-US" dirty="0" smtClean="0"/>
-              <a:t>合作研发的以</a:t>
-            </a:r>
-            <a:r>
-              <a:rPr lang="en-US" altLang="zh-CN" dirty="0" smtClean="0"/>
-              <a:t>Apache</a:t>
-            </a:r>
-            <a:r>
-              <a:rPr lang="zh-CN" altLang="en-US" dirty="0" smtClean="0"/>
-              <a:t>许可证授权的开源代码，任何人都可以自由使用</a:t>
-            </a:r>
-            <a:endParaRPr lang="en-US" altLang="zh-CN" dirty="0" smtClean="0"/>
-          </a:p>
-          <a:p>
-            <a:pPr lvl="1"/>
-            <a:r>
-              <a:rPr lang="zh-CN" altLang="en-US" dirty="0" smtClean="0"/>
-              <a:t>提供了云计算平台的大量标准、统一、可扩展的功能</a:t>
-            </a:r>
-            <a:endParaRPr lang="en-US" altLang="zh-CN" dirty="0" smtClean="0"/>
-          </a:p>
-          <a:p>
-            <a:pPr lvl="1"/>
-            <a:r>
-              <a:rPr lang="zh-CN" altLang="en-US" dirty="0" smtClean="0"/>
-              <a:t>目前云计算平台设计中最受欢迎的框架之一</a:t>
-            </a:r>
-            <a:endParaRPr lang="en-US" altLang="zh-CN" dirty="0"/>
-          </a:p>
-          <a:p>
-            <a:pPr marL="0" indent="0">
-              <a:buNone/>
-            </a:pPr>
-            <a:r>
-              <a:rPr lang="en-US" altLang="zh-CN" dirty="0" smtClean="0"/>
-              <a:t>OpenStack</a:t>
-            </a:r>
-            <a:r>
-              <a:rPr lang="zh-CN" altLang="en-US" dirty="0" smtClean="0"/>
-              <a:t>官网</a:t>
-            </a:r>
-            <a:endParaRPr lang="en-US" altLang="zh-CN" dirty="0" smtClean="0"/>
-          </a:p>
-          <a:p>
-            <a:pPr marL="0" indent="0">
-              <a:buNone/>
-            </a:pPr>
-            <a:endParaRPr lang="en-US" altLang="zh-CN" dirty="0"/>
-          </a:p>
-          <a:p>
-            <a:pPr marL="0" indent="0">
-              <a:buNone/>
-            </a:pPr>
-            <a:r>
-              <a:rPr lang="en-US" altLang="zh-CN" dirty="0" smtClean="0"/>
-              <a:t>OpenStack</a:t>
-            </a:r>
-            <a:r>
-              <a:rPr lang="zh-CN" altLang="en-US" dirty="0"/>
-              <a:t>中</a:t>
-            </a:r>
-            <a:r>
-              <a:rPr lang="zh-CN" altLang="en-US" dirty="0" smtClean="0"/>
-              <a:t>文官网</a:t>
-            </a:r>
-            <a:endParaRPr lang="en-US" altLang="zh-CN" dirty="0"/>
-          </a:p>
-          <a:p>
-            <a:pPr marL="0" indent="0">
-              <a:buNone/>
-            </a:pPr>
-            <a:endParaRPr lang="en-US" altLang="zh-CN" dirty="0" smtClean="0"/>
-          </a:p>
-          <a:p>
-            <a:pPr marL="0" indent="0">
-              <a:buNone/>
-            </a:pPr>
-            <a:endParaRPr lang="en-US" altLang="zh-CN" dirty="0"/>
-          </a:p>
-          <a:p>
-            <a:pPr marL="0" indent="0">
-              <a:buNone/>
-            </a:pPr>
-            <a:endParaRPr lang="en-US" altLang="zh-CN" dirty="0" smtClean="0"/>
-          </a:p>
-        </p:txBody>
-      </p:sp>
-      <p:sp>
-        <p:nvSpPr>
-          <p:cNvPr id="4" name="矩形 3"/>
-          <p:cNvSpPr/>
-          <p:nvPr/>
-        </p:nvSpPr>
-        <p:spPr>
-          <a:xfrm>
-            <a:off x="1097280" y="3672748"/>
-            <a:ext cx="2865913" cy="369332"/>
-          </a:xfrm>
-          <a:prstGeom prst="rect">
-            <a:avLst/>
-          </a:prstGeom>
-        </p:spPr>
-        <p:txBody>
-          <a:bodyPr wrap="none">
-            <a:spAutoFit/>
-          </a:bodyPr>
-          <a:lstStyle/>
-          <a:p>
-            <a:r>
-              <a:rPr lang="zh-CN" altLang="en-US" dirty="0">
-                <a:hlinkClick r:id="rId2"/>
-              </a:rPr>
-              <a:t>https://www.openstack.org</a:t>
-            </a:r>
-            <a:r>
-              <a:rPr lang="zh-CN" altLang="en-US" dirty="0" smtClean="0">
-                <a:hlinkClick r:id="rId2"/>
-              </a:rPr>
-              <a:t>/</a:t>
-            </a:r>
-            <a:endParaRPr lang="zh-CN" altLang="en-US" dirty="0"/>
-          </a:p>
-        </p:txBody>
-      </p:sp>
-      <p:sp>
-        <p:nvSpPr>
-          <p:cNvPr id="5" name="矩形 4"/>
-          <p:cNvSpPr/>
-          <p:nvPr/>
-        </p:nvSpPr>
-        <p:spPr>
-          <a:xfrm>
-            <a:off x="1097280" y="4770921"/>
-            <a:ext cx="3505640" cy="369332"/>
-          </a:xfrm>
-          <a:prstGeom prst="rect">
-            <a:avLst/>
-          </a:prstGeom>
-        </p:spPr>
-        <p:txBody>
-          <a:bodyPr wrap="none">
-            <a:spAutoFit/>
-          </a:bodyPr>
-          <a:lstStyle/>
-          <a:p>
-            <a:r>
-              <a:rPr lang="zh-CN" altLang="en-US" dirty="0">
-                <a:hlinkClick r:id="rId3"/>
-              </a:rPr>
-              <a:t>https://docs.openstack.org/zh_CN</a:t>
-            </a:r>
-            <a:r>
-              <a:rPr lang="zh-CN" altLang="en-US" dirty="0" smtClean="0">
-                <a:hlinkClick r:id="rId3"/>
               </a:rPr>
               <a:t>/</a:t>
             </a:r>
